--- a/Project_Presentation.pptx
+++ b/Project_Presentation.pptx
@@ -922,7 +922,7 @@
               </a:spcAft>
               <a:buNone/>
             </a:pPr>
-            <a:endParaRPr/>
+            <a:endParaRPr dirty="0"/>
           </a:p>
         </p:txBody>
       </p:sp>
@@ -1031,7 +1031,64 @@
               </a:spcAft>
               <a:buNone/>
             </a:pPr>
-            <a:endParaRPr/>
+            <a:r>
+              <a:rPr lang="en-US" dirty="0"/>
+              <a:t>For my statistical analysis I decided to do a comparison between the highest spending state which is Montana and the lowest spending state which is Kansas.</a:t>
+            </a:r>
+          </a:p>
+          <a:p>
+            <a:pPr marL="0" lvl="0" indent="0" algn="l" rtl="0">
+              <a:spcBef>
+                <a:spcPts val="0"/>
+              </a:spcBef>
+              <a:spcAft>
+                <a:spcPts val="0"/>
+              </a:spcAft>
+              <a:buNone/>
+            </a:pPr>
+            <a:endParaRPr lang="en-US" dirty="0"/>
+          </a:p>
+          <a:p>
+            <a:pPr marL="0" lvl="0" indent="0" algn="l" rtl="0">
+              <a:spcBef>
+                <a:spcPts val="0"/>
+              </a:spcBef>
+              <a:spcAft>
+                <a:spcPts val="0"/>
+              </a:spcAft>
+              <a:buNone/>
+            </a:pPr>
+            <a:r>
+              <a:rPr lang="en-US" dirty="0"/>
+              <a:t>I think Montana having the most coats purchases makes sense because they’re further up north than Kansas.</a:t>
+            </a:r>
+          </a:p>
+          <a:p>
+            <a:pPr marL="0" lvl="0" indent="0" algn="l" rtl="0">
+              <a:spcBef>
+                <a:spcPts val="0"/>
+              </a:spcBef>
+              <a:spcAft>
+                <a:spcPts val="0"/>
+              </a:spcAft>
+              <a:buNone/>
+            </a:pPr>
+            <a:endParaRPr lang="en-US" dirty="0"/>
+          </a:p>
+          <a:p>
+            <a:pPr marL="0" lvl="0" indent="0" algn="l" rtl="0">
+              <a:spcBef>
+                <a:spcPts val="0"/>
+              </a:spcBef>
+              <a:spcAft>
+                <a:spcPts val="0"/>
+              </a:spcAft>
+              <a:buNone/>
+            </a:pPr>
+            <a:r>
+              <a:rPr lang="en-US" dirty="0"/>
+              <a:t>For Montana the highest purchased item was coats and for Kansas it was sandals. </a:t>
+            </a:r>
           </a:p>
         </p:txBody>
       </p:sp>
@@ -2106,7 +2163,145 @@
               </a:spcAft>
               <a:buNone/>
             </a:pPr>
-            <a:endParaRPr/>
+            <a:r>
+              <a:rPr lang="en-US" dirty="0"/>
+              <a:t>My question was what are the top three states with the most purchases? Which then I also had a sub question Will at least two out of the three states with best west coast states?</a:t>
+            </a:r>
+          </a:p>
+          <a:p>
+            <a:pPr marL="0" lvl="0" indent="0" algn="l" rtl="0">
+              <a:spcBef>
+                <a:spcPts val="0"/>
+              </a:spcBef>
+              <a:spcAft>
+                <a:spcPts val="0"/>
+              </a:spcAft>
+              <a:buNone/>
+            </a:pPr>
+            <a:r>
+              <a:rPr lang="en-US" dirty="0"/>
+              <a:t>I got both of my question answered California, Idaho, Montana were the states with the most purchases with Montana having the max purchases amount of 96.</a:t>
+            </a:r>
+          </a:p>
+          <a:p>
+            <a:pPr marL="0" lvl="0" indent="0" algn="l" rtl="0">
+              <a:spcBef>
+                <a:spcPts val="0"/>
+              </a:spcBef>
+              <a:spcAft>
+                <a:spcPts val="0"/>
+              </a:spcAft>
+              <a:buNone/>
+            </a:pPr>
+            <a:r>
+              <a:rPr lang="en-US" dirty="0"/>
+              <a:t> </a:t>
+            </a:r>
+          </a:p>
+          <a:p>
+            <a:pPr marL="0" lvl="0" indent="0" algn="l" rtl="0">
+              <a:spcBef>
+                <a:spcPts val="0"/>
+              </a:spcBef>
+              <a:spcAft>
+                <a:spcPts val="0"/>
+              </a:spcAft>
+              <a:buNone/>
+            </a:pPr>
+            <a:r>
+              <a:rPr lang="en-US" dirty="0"/>
+              <a:t>My original hypothesis was  at least two out of three states will be west coast states but I didn’t know how to approach that hypothesis with the </a:t>
+            </a:r>
+            <a:r>
+              <a:rPr lang="en-US" dirty="0" err="1"/>
+              <a:t>ttest</a:t>
+            </a:r>
+            <a:r>
+              <a:rPr lang="en-US" dirty="0"/>
+              <a:t> so my hypothesis then became the top three states will spend at least 30% more than all combined states.</a:t>
+            </a:r>
+          </a:p>
+          <a:p>
+            <a:pPr marL="0" lvl="0" indent="0" algn="l" rtl="0">
+              <a:spcBef>
+                <a:spcPts val="0"/>
+              </a:spcBef>
+              <a:spcAft>
+                <a:spcPts val="0"/>
+              </a:spcAft>
+              <a:buNone/>
+            </a:pPr>
+            <a:endParaRPr lang="en-US" dirty="0"/>
+          </a:p>
+          <a:p>
+            <a:pPr marL="0" lvl="0" indent="0" algn="l" rtl="0">
+              <a:spcBef>
+                <a:spcPts val="0"/>
+              </a:spcBef>
+              <a:spcAft>
+                <a:spcPts val="0"/>
+              </a:spcAft>
+              <a:buNone/>
+            </a:pPr>
+            <a:r>
+              <a:rPr lang="en-US" dirty="0"/>
+              <a:t>My state combined mean was 59.7%</a:t>
+            </a:r>
+          </a:p>
+          <a:p>
+            <a:pPr marL="0" lvl="0" indent="0" algn="l" rtl="0">
+              <a:spcBef>
+                <a:spcPts val="0"/>
+              </a:spcBef>
+              <a:spcAft>
+                <a:spcPts val="0"/>
+              </a:spcAft>
+              <a:buNone/>
+            </a:pPr>
+            <a:endParaRPr lang="en-US" dirty="0"/>
+          </a:p>
+          <a:p>
+            <a:pPr marL="0" lvl="0" indent="0" algn="l" rtl="0">
+              <a:spcBef>
+                <a:spcPts val="0"/>
+              </a:spcBef>
+              <a:spcAft>
+                <a:spcPts val="0"/>
+              </a:spcAft>
+              <a:buNone/>
+            </a:pPr>
+            <a:r>
+              <a:rPr lang="en-US" dirty="0"/>
+              <a:t>Top three states combined mean was 94%</a:t>
+            </a:r>
+          </a:p>
+          <a:p>
+            <a:pPr marL="0" lvl="0" indent="0" algn="l" rtl="0">
+              <a:spcBef>
+                <a:spcPts val="0"/>
+              </a:spcBef>
+              <a:spcAft>
+                <a:spcPts val="0"/>
+              </a:spcAft>
+              <a:buNone/>
+            </a:pPr>
+            <a:endParaRPr lang="en-US" dirty="0"/>
+          </a:p>
+          <a:p>
+            <a:pPr marL="0" lvl="0" indent="0" algn="l" rtl="0">
+              <a:spcBef>
+                <a:spcPts val="0"/>
+              </a:spcBef>
+              <a:spcAft>
+                <a:spcPts val="0"/>
+              </a:spcAft>
+              <a:buNone/>
+            </a:pPr>
+            <a:r>
+              <a:rPr lang="en-US" dirty="0"/>
+              <a:t>With the top three states being Montana with a purchase amount of 96, California 95  and Idaho 93. In the next slide we will be able to see it visually through a bar graph.</a:t>
+            </a:r>
+            <a:endParaRPr dirty="0"/>
           </a:p>
         </p:txBody>
       </p:sp>
@@ -17716,8 +17911,8 @@
         </p:nvSpPr>
         <p:spPr>
           <a:xfrm>
-            <a:off x="674533" y="1332468"/>
-            <a:ext cx="7588933" cy="954107"/>
+            <a:off x="686170" y="2256430"/>
+            <a:ext cx="7588933" cy="738664"/>
           </a:xfrm>
           <a:prstGeom prst="rect">
             <a:avLst/>
@@ -17745,7 +17940,7 @@
                   <a:schemeClr val="bg1"/>
                 </a:solidFill>
               </a:rPr>
-              <a:t>The top three states will spend 30% more than the combined states average. </a:t>
+              <a:t>The top three states will spend 30% more than all combined states average. </a:t>
             </a:r>
           </a:p>
           <a:p>
@@ -17788,7 +17983,7 @@
         </p:blipFill>
         <p:spPr>
           <a:xfrm>
-            <a:off x="891416" y="2096075"/>
+            <a:off x="903053" y="2685244"/>
             <a:ext cx="7454900" cy="381000"/>
           </a:xfrm>
           <a:prstGeom prst="rect">
@@ -17810,7 +18005,7 @@
         </p:nvSpPr>
         <p:spPr>
           <a:xfrm>
-            <a:off x="1753641" y="2845767"/>
+            <a:off x="1622754" y="3201340"/>
             <a:ext cx="6357770" cy="523220"/>
           </a:xfrm>
           <a:prstGeom prst="rect">
@@ -17831,6 +18026,110 @@
                 </a:solidFill>
               </a:rPr>
               <a:t>This shows that my hypothesis was correct because the statistic is 39 and the P-Value is &lt; .05 which confirms my hypothesis is not null.</a:t>
+            </a:r>
+          </a:p>
+        </p:txBody>
+      </p:sp>
+      <p:sp>
+        <p:nvSpPr>
+          <p:cNvPr id="8" name="TextBox 7">
+            <a:extLst>
+              <a:ext uri="{FF2B5EF4-FFF2-40B4-BE49-F238E27FC236}">
+                <a16:creationId xmlns:a16="http://schemas.microsoft.com/office/drawing/2014/main" id="{46816E21-A73D-89AC-C70D-9011230B9F2C}"/>
+              </a:ext>
+            </a:extLst>
+          </p:cNvPr>
+          <p:cNvSpPr txBox="1"/>
+          <p:nvPr/>
+        </p:nvSpPr>
+        <p:spPr>
+          <a:xfrm>
+            <a:off x="686172" y="1274114"/>
+            <a:ext cx="7588933" cy="738664"/>
+          </a:xfrm>
+          <a:prstGeom prst="rect">
+            <a:avLst/>
+          </a:prstGeom>
+          <a:noFill/>
+        </p:spPr>
+        <p:txBody>
+          <a:bodyPr wrap="square">
+            <a:spAutoFit/>
+          </a:bodyPr>
+          <a:lstStyle/>
+          <a:p>
+            <a:pPr marL="457200" lvl="1"/>
+            <a:r>
+              <a:rPr lang="en" dirty="0">
+                <a:solidFill>
+                  <a:schemeClr val="accent4"/>
+                </a:solidFill>
+              </a:rPr>
+              <a:t>Question: </a:t>
+            </a:r>
+            <a:r>
+              <a:rPr lang="en-US" dirty="0">
+                <a:solidFill>
+                  <a:schemeClr val="bg1"/>
+                </a:solidFill>
+              </a:rPr>
+              <a:t>What are the top three states with the most purchases? What regions are the top three states from?</a:t>
+            </a:r>
+          </a:p>
+          <a:p>
+            <a:pPr marL="457200" lvl="1"/>
+            <a:endParaRPr lang="en-US" dirty="0">
+              <a:solidFill>
+                <a:schemeClr val="bg1"/>
+              </a:solidFill>
+            </a:endParaRPr>
+          </a:p>
+        </p:txBody>
+      </p:sp>
+      <p:sp>
+        <p:nvSpPr>
+          <p:cNvPr id="9" name="TextBox 8">
+            <a:extLst>
+              <a:ext uri="{FF2B5EF4-FFF2-40B4-BE49-F238E27FC236}">
+                <a16:creationId xmlns:a16="http://schemas.microsoft.com/office/drawing/2014/main" id="{84E156DE-8A6B-7FE3-2613-2FE3C3D5B3F3}"/>
+              </a:ext>
+            </a:extLst>
+          </p:cNvPr>
+          <p:cNvSpPr txBox="1"/>
+          <p:nvPr/>
+        </p:nvSpPr>
+        <p:spPr>
+          <a:xfrm>
+            <a:off x="686171" y="1761344"/>
+            <a:ext cx="7588933" cy="523220"/>
+          </a:xfrm>
+          <a:prstGeom prst="rect">
+            <a:avLst/>
+          </a:prstGeom>
+          <a:noFill/>
+        </p:spPr>
+        <p:txBody>
+          <a:bodyPr wrap="square">
+            <a:spAutoFit/>
+          </a:bodyPr>
+          <a:lstStyle/>
+          <a:p>
+            <a:pPr marL="457200" lvl="1"/>
+            <a:r>
+              <a:rPr lang="en" dirty="0">
+                <a:solidFill>
+                  <a:schemeClr val="accent4"/>
+                </a:solidFill>
+              </a:rPr>
+              <a:t>Answer: </a:t>
+            </a:r>
+            <a:r>
+              <a:rPr lang="en-US" dirty="0">
+                <a:solidFill>
+                  <a:schemeClr val="bg1"/>
+                </a:solidFill>
+              </a:rPr>
+              <a:t>The top three states with the most purchases are California, Idaho and Montana; Only one state is West Coast and the other two are the Rocky Mts. region.</a:t>
             </a:r>
           </a:p>
         </p:txBody>
